--- a/Presentation.pptx
+++ b/Presentation.pptx
@@ -33,7 +33,7 @@
       <p:regular r:id="rId19"/>
     </p:embeddedFont>
     <p:embeddedFont>
-      <p:font typeface="Lora" pitchFamily="2" charset="0"/>
+      <p:font typeface="Lora" panose="020F0502020204030204" pitchFamily="2" charset="0"/>
       <p:regular r:id="rId20"/>
       <p:bold r:id="rId21"/>
     </p:embeddedFont>
@@ -3713,13 +3713,13 @@
       </p:sp>
       <p:sp>
         <p:nvSpPr>
-          <p:cNvPr id="3" name="Text 1"/>
-          <p:cNvSpPr/>
-          <p:nvPr/>
-        </p:nvSpPr>
-        <p:spPr>
-          <a:xfrm>
-            <a:off x="793789" y="2249983"/>
+          <p:cNvPr id="4" name="Text 2"/>
+          <p:cNvSpPr/>
+          <p:nvPr/>
+        </p:nvSpPr>
+        <p:spPr>
+          <a:xfrm>
+            <a:off x="793789" y="2468463"/>
             <a:ext cx="13042821" cy="453509"/>
           </a:xfrm>
           <a:prstGeom prst="rect">
@@ -3748,7 +3748,7 @@
                 <a:ea typeface="Lora" pitchFamily="34" charset="-122"/>
                 <a:cs typeface="Lora" pitchFamily="34" charset="-120"/>
               </a:rPr>
-              <a:t>Model Size:</a:t>
+              <a:t>Technique</a:t>
             </a:r>
             <a:r>
               <a:rPr lang="en-US" sz="1750" dirty="0">
@@ -3759,7 +3759,7 @@
                 <a:ea typeface="Lora" pitchFamily="34" charset="-122"/>
                 <a:cs typeface="Lora" pitchFamily="34" charset="-120"/>
               </a:rPr>
-              <a:t> Medium</a:t>
+              <a:t>: Trainable prefix tokens prepended to input</a:t>
             </a:r>
             <a:endParaRPr lang="en-US" sz="1750" dirty="0"/>
           </a:p>
@@ -3767,13 +3767,13 @@
       </p:sp>
       <p:sp>
         <p:nvSpPr>
-          <p:cNvPr id="4" name="Text 2"/>
-          <p:cNvSpPr/>
-          <p:nvPr/>
-        </p:nvSpPr>
-        <p:spPr>
-          <a:xfrm>
-            <a:off x="793789" y="2782788"/>
+          <p:cNvPr id="5" name="Text 3"/>
+          <p:cNvSpPr/>
+          <p:nvPr/>
+        </p:nvSpPr>
+        <p:spPr>
+          <a:xfrm>
+            <a:off x="793789" y="3001267"/>
             <a:ext cx="13042821" cy="453509"/>
           </a:xfrm>
           <a:prstGeom prst="rect">
@@ -3802,7 +3802,7 @@
                 <a:ea typeface="Lora" pitchFamily="34" charset="-122"/>
                 <a:cs typeface="Lora" pitchFamily="34" charset="-120"/>
               </a:rPr>
-              <a:t>Technique</a:t>
+              <a:t>Performance</a:t>
             </a:r>
             <a:r>
               <a:rPr lang="en-US" sz="1750" dirty="0">
@@ -3813,7 +3813,7 @@
                 <a:ea typeface="Lora" pitchFamily="34" charset="-122"/>
                 <a:cs typeface="Lora" pitchFamily="34" charset="-120"/>
               </a:rPr>
-              <a:t>: Trainable prefix tokens prepended to input</a:t>
+              <a:t>:</a:t>
             </a:r>
             <a:endParaRPr lang="en-US" sz="1750" dirty="0"/>
           </a:p>
@@ -3821,13 +3821,13 @@
       </p:sp>
       <p:sp>
         <p:nvSpPr>
-          <p:cNvPr id="5" name="Text 3"/>
-          <p:cNvSpPr/>
-          <p:nvPr/>
-        </p:nvSpPr>
-        <p:spPr>
-          <a:xfrm>
-            <a:off x="793789" y="3315592"/>
+          <p:cNvPr id="7" name="Text 5"/>
+          <p:cNvSpPr/>
+          <p:nvPr/>
+        </p:nvSpPr>
+        <p:spPr>
+          <a:xfrm>
+            <a:off x="793789" y="4066877"/>
             <a:ext cx="13042821" cy="453509"/>
           </a:xfrm>
           <a:prstGeom prst="rect">
@@ -3840,7 +3840,7 @@
           <a:bodyPr wrap="none" lIns="0" tIns="0" rIns="0" bIns="0" rtlCol="0" anchor="t"/>
           <a:lstStyle/>
           <a:p>
-            <a:pPr marL="342900" indent="-342900" algn="l">
+            <a:pPr marL="1714500" lvl="4" indent="-342900" algn="l">
               <a:lnSpc>
                 <a:spcPts val="2850"/>
               </a:lnSpc>
@@ -3848,7 +3848,7 @@
               <a:buChar char="•"/>
             </a:pPr>
             <a:r>
-              <a:rPr lang="en-US" sz="1750" b="1" dirty="0">
+              <a:rPr lang="en-US" sz="1750" dirty="0">
                 <a:solidFill>
                   <a:srgbClr val="2C2821"/>
                 </a:solidFill>
@@ -3856,8 +3856,40 @@
                 <a:ea typeface="Lora" pitchFamily="34" charset="-122"/>
                 <a:cs typeface="Lora" pitchFamily="34" charset="-120"/>
               </a:rPr>
-              <a:t>Performance</a:t>
-            </a:r>
+              <a:t>ROUGE 1: 0.4804</a:t>
+            </a:r>
+            <a:endParaRPr lang="en-US" sz="1750" dirty="0"/>
+          </a:p>
+        </p:txBody>
+      </p:sp>
+      <p:sp>
+        <p:nvSpPr>
+          <p:cNvPr id="8" name="Text 6"/>
+          <p:cNvSpPr/>
+          <p:nvPr/>
+        </p:nvSpPr>
+        <p:spPr>
+          <a:xfrm>
+            <a:off x="793789" y="4599682"/>
+            <a:ext cx="13042821" cy="453509"/>
+          </a:xfrm>
+          <a:prstGeom prst="rect">
+            <a:avLst/>
+          </a:prstGeom>
+          <a:noFill/>
+          <a:ln/>
+        </p:spPr>
+        <p:txBody>
+          <a:bodyPr wrap="none" lIns="0" tIns="0" rIns="0" bIns="0" rtlCol="0" anchor="t"/>
+          <a:lstStyle/>
+          <a:p>
+            <a:pPr marL="1714500" lvl="4" indent="-342900" algn="l">
+              <a:lnSpc>
+                <a:spcPts val="2850"/>
+              </a:lnSpc>
+              <a:buSzPct val="100000"/>
+              <a:buChar char="•"/>
+            </a:pPr>
             <a:r>
               <a:rPr lang="en-US" sz="1750" dirty="0">
                 <a:solidFill>
@@ -3867,7 +3899,7 @@
                 <a:ea typeface="Lora" pitchFamily="34" charset="-122"/>
                 <a:cs typeface="Lora" pitchFamily="34" charset="-120"/>
               </a:rPr>
-              <a:t>:</a:t>
+              <a:t>ROUGE 2: 0.2451</a:t>
             </a:r>
             <a:endParaRPr lang="en-US" sz="1750" dirty="0"/>
           </a:p>
@@ -3875,13 +3907,13 @@
       </p:sp>
       <p:sp>
         <p:nvSpPr>
-          <p:cNvPr id="7" name="Text 5"/>
-          <p:cNvSpPr/>
-          <p:nvPr/>
-        </p:nvSpPr>
-        <p:spPr>
-          <a:xfrm>
-            <a:off x="793789" y="4381202"/>
+          <p:cNvPr id="9" name="Text 7"/>
+          <p:cNvSpPr/>
+          <p:nvPr/>
+        </p:nvSpPr>
+        <p:spPr>
+          <a:xfrm>
+            <a:off x="793789" y="5132486"/>
             <a:ext cx="13042821" cy="453509"/>
           </a:xfrm>
           <a:prstGeom prst="rect">
@@ -3910,7 +3942,7 @@
                 <a:ea typeface="Lora" pitchFamily="34" charset="-122"/>
                 <a:cs typeface="Lora" pitchFamily="34" charset="-120"/>
               </a:rPr>
-              <a:t>ROUGE 1: 0.4804</a:t>
+              <a:t>ROUGE-L sum: 0.4304</a:t>
             </a:r>
             <a:endParaRPr lang="en-US" sz="1750" dirty="0"/>
           </a:p>
@@ -3918,99 +3950,13 @@
       </p:sp>
       <p:sp>
         <p:nvSpPr>
-          <p:cNvPr id="8" name="Text 6"/>
-          <p:cNvSpPr/>
-          <p:nvPr/>
-        </p:nvSpPr>
-        <p:spPr>
-          <a:xfrm>
-            <a:off x="793789" y="4914007"/>
-            <a:ext cx="13042821" cy="453509"/>
-          </a:xfrm>
-          <a:prstGeom prst="rect">
-            <a:avLst/>
-          </a:prstGeom>
-          <a:noFill/>
-          <a:ln/>
-        </p:spPr>
-        <p:txBody>
-          <a:bodyPr wrap="none" lIns="0" tIns="0" rIns="0" bIns="0" rtlCol="0" anchor="t"/>
-          <a:lstStyle/>
-          <a:p>
-            <a:pPr marL="1714500" lvl="4" indent="-342900" algn="l">
-              <a:lnSpc>
-                <a:spcPts val="2850"/>
-              </a:lnSpc>
-              <a:buSzPct val="100000"/>
-              <a:buChar char="•"/>
-            </a:pPr>
-            <a:r>
-              <a:rPr lang="en-US" sz="1750" dirty="0">
-                <a:solidFill>
-                  <a:srgbClr val="2C2821"/>
-                </a:solidFill>
-                <a:latin typeface="Lora" pitchFamily="34" charset="0"/>
-                <a:ea typeface="Lora" pitchFamily="34" charset="-122"/>
-                <a:cs typeface="Lora" pitchFamily="34" charset="-120"/>
-              </a:rPr>
-              <a:t>ROUGE 2: 0.2451</a:t>
-            </a:r>
-            <a:endParaRPr lang="en-US" sz="1750" dirty="0"/>
-          </a:p>
-        </p:txBody>
-      </p:sp>
-      <p:sp>
-        <p:nvSpPr>
-          <p:cNvPr id="9" name="Text 7"/>
-          <p:cNvSpPr/>
-          <p:nvPr/>
-        </p:nvSpPr>
-        <p:spPr>
-          <a:xfrm>
-            <a:off x="793789" y="5446811"/>
-            <a:ext cx="13042821" cy="453509"/>
-          </a:xfrm>
-          <a:prstGeom prst="rect">
-            <a:avLst/>
-          </a:prstGeom>
-          <a:noFill/>
-          <a:ln/>
-        </p:spPr>
-        <p:txBody>
-          <a:bodyPr wrap="none" lIns="0" tIns="0" rIns="0" bIns="0" rtlCol="0" anchor="t"/>
-          <a:lstStyle/>
-          <a:p>
-            <a:pPr marL="1714500" lvl="4" indent="-342900" algn="l">
-              <a:lnSpc>
-                <a:spcPts val="2850"/>
-              </a:lnSpc>
-              <a:buSzPct val="100000"/>
-              <a:buChar char="•"/>
-            </a:pPr>
-            <a:r>
-              <a:rPr lang="en-US" sz="1750" dirty="0">
-                <a:solidFill>
-                  <a:srgbClr val="2C2821"/>
-                </a:solidFill>
-                <a:latin typeface="Lora" pitchFamily="34" charset="0"/>
-                <a:ea typeface="Lora" pitchFamily="34" charset="-122"/>
-                <a:cs typeface="Lora" pitchFamily="34" charset="-120"/>
-              </a:rPr>
-              <a:t>ROUGE-L sum: 0.4304</a:t>
-            </a:r>
-            <a:endParaRPr lang="en-US" sz="1750" dirty="0"/>
-          </a:p>
-        </p:txBody>
-      </p:sp>
-      <p:sp>
-        <p:nvSpPr>
           <p:cNvPr id="10" name="Text 8"/>
           <p:cNvSpPr/>
           <p:nvPr/>
         </p:nvSpPr>
         <p:spPr>
           <a:xfrm>
-            <a:off x="793789" y="5979616"/>
+            <a:off x="793789" y="5665291"/>
             <a:ext cx="13042821" cy="453509"/>
           </a:xfrm>
           <a:prstGeom prst="rect">
@@ -4067,7 +4013,7 @@
         </p:blipFill>
         <p:spPr>
           <a:xfrm>
-            <a:off x="12658450" y="7753284"/>
+            <a:off x="12658450" y="7723114"/>
             <a:ext cx="1971950" cy="476316"/>
           </a:xfrm>
           <a:prstGeom prst="rect">
@@ -4089,7 +4035,7 @@
         </p:nvSpPr>
         <p:spPr>
           <a:xfrm>
-            <a:off x="14170315" y="7759184"/>
+            <a:off x="14170315" y="7629525"/>
             <a:ext cx="301686" cy="369332"/>
           </a:xfrm>
           <a:prstGeom prst="rect">
@@ -4113,10 +4059,10 @@
       </p:sp>
       <p:pic>
         <p:nvPicPr>
-          <p:cNvPr id="14" name="Picture 13">
+          <p:cNvPr id="6" name="Picture 5">
             <a:extLst>
               <a:ext uri="{FF2B5EF4-FFF2-40B4-BE49-F238E27FC236}">
-                <a16:creationId xmlns:a16="http://schemas.microsoft.com/office/drawing/2014/main" id="{09DEF971-5CEF-8412-DDCC-435A3B8502BF}"/>
+                <a16:creationId xmlns:a16="http://schemas.microsoft.com/office/drawing/2014/main" id="{C740CE3D-BFCE-C3B4-663D-6795242987D5}"/>
               </a:ext>
             </a:extLst>
           </p:cNvPr>
@@ -4133,8 +4079,8 @@
         </p:blipFill>
         <p:spPr>
           <a:xfrm>
-            <a:off x="8072246" y="2500605"/>
-            <a:ext cx="6399755" cy="4019253"/>
+            <a:off x="7147468" y="3001267"/>
+            <a:ext cx="6496957" cy="2514951"/>
           </a:xfrm>
           <a:prstGeom prst="rect">
             <a:avLst/>
@@ -4210,13 +4156,13 @@
       </p:sp>
       <p:sp>
         <p:nvSpPr>
-          <p:cNvPr id="3" name="Text 1"/>
-          <p:cNvSpPr/>
-          <p:nvPr/>
-        </p:nvSpPr>
-        <p:spPr>
-          <a:xfrm>
-            <a:off x="793789" y="2249983"/>
+          <p:cNvPr id="4" name="Text 2"/>
+          <p:cNvSpPr/>
+          <p:nvPr/>
+        </p:nvSpPr>
+        <p:spPr>
+          <a:xfrm>
+            <a:off x="793789" y="2556033"/>
             <a:ext cx="13042821" cy="453509"/>
           </a:xfrm>
           <a:prstGeom prst="rect">
@@ -4245,7 +4191,7 @@
                 <a:ea typeface="Lora" pitchFamily="34" charset="-122"/>
                 <a:cs typeface="Lora" pitchFamily="34" charset="-120"/>
               </a:rPr>
-              <a:t>Model Size</a:t>
+              <a:t>Technique</a:t>
             </a:r>
             <a:r>
               <a:rPr lang="en-US" sz="1750" dirty="0">
@@ -4256,7 +4202,7 @@
                 <a:ea typeface="Lora" pitchFamily="34" charset="-122"/>
                 <a:cs typeface="Lora" pitchFamily="34" charset="-120"/>
               </a:rPr>
-              <a:t>: Very small (edge deployment)</a:t>
+              <a:t>: Adapter modules injected into layers</a:t>
             </a:r>
             <a:endParaRPr lang="en-US" sz="1750" dirty="0"/>
           </a:p>
@@ -4264,13 +4210,13 @@
       </p:sp>
       <p:sp>
         <p:nvSpPr>
-          <p:cNvPr id="4" name="Text 2"/>
-          <p:cNvSpPr/>
-          <p:nvPr/>
-        </p:nvSpPr>
-        <p:spPr>
-          <a:xfrm>
-            <a:off x="793789" y="2782788"/>
+          <p:cNvPr id="5" name="Text 3"/>
+          <p:cNvSpPr/>
+          <p:nvPr/>
+        </p:nvSpPr>
+        <p:spPr>
+          <a:xfrm>
+            <a:off x="793789" y="3088837"/>
             <a:ext cx="13042821" cy="453509"/>
           </a:xfrm>
           <a:prstGeom prst="rect">
@@ -4299,7 +4245,7 @@
                 <a:ea typeface="Lora" pitchFamily="34" charset="-122"/>
                 <a:cs typeface="Lora" pitchFamily="34" charset="-120"/>
               </a:rPr>
-              <a:t>Technique</a:t>
+              <a:t>Performance</a:t>
             </a:r>
             <a:r>
               <a:rPr lang="en-US" sz="1750" dirty="0">
@@ -4310,7 +4256,7 @@
                 <a:ea typeface="Lora" pitchFamily="34" charset="-122"/>
                 <a:cs typeface="Lora" pitchFamily="34" charset="-120"/>
               </a:rPr>
-              <a:t>: Adapter modules injected into layers</a:t>
+              <a:t>:</a:t>
             </a:r>
             <a:endParaRPr lang="en-US" sz="1750" dirty="0"/>
           </a:p>
@@ -4318,13 +4264,13 @@
       </p:sp>
       <p:sp>
         <p:nvSpPr>
-          <p:cNvPr id="5" name="Text 3"/>
-          <p:cNvSpPr/>
-          <p:nvPr/>
-        </p:nvSpPr>
-        <p:spPr>
-          <a:xfrm>
-            <a:off x="793789" y="3315592"/>
+          <p:cNvPr id="7" name="Text 5"/>
+          <p:cNvSpPr/>
+          <p:nvPr/>
+        </p:nvSpPr>
+        <p:spPr>
+          <a:xfrm>
+            <a:off x="793789" y="4154447"/>
             <a:ext cx="13042821" cy="453509"/>
           </a:xfrm>
           <a:prstGeom prst="rect">
@@ -4337,7 +4283,7 @@
           <a:bodyPr wrap="none" lIns="0" tIns="0" rIns="0" bIns="0" rtlCol="0" anchor="t"/>
           <a:lstStyle/>
           <a:p>
-            <a:pPr marL="342900" indent="-342900" algn="l">
+            <a:pPr marL="1714500" lvl="4" indent="-342900" algn="l">
               <a:lnSpc>
                 <a:spcPts val="2850"/>
               </a:lnSpc>
@@ -4345,7 +4291,7 @@
               <a:buChar char="•"/>
             </a:pPr>
             <a:r>
-              <a:rPr lang="en-US" sz="1750" b="1" dirty="0">
+              <a:rPr lang="en-US" sz="1750" dirty="0">
                 <a:solidFill>
                   <a:srgbClr val="2C2821"/>
                 </a:solidFill>
@@ -4353,8 +4299,40 @@
                 <a:ea typeface="Lora" pitchFamily="34" charset="-122"/>
                 <a:cs typeface="Lora" pitchFamily="34" charset="-120"/>
               </a:rPr>
-              <a:t>Performance</a:t>
-            </a:r>
+              <a:t>ROUGE 1: 0.349</a:t>
+            </a:r>
+            <a:endParaRPr lang="en-US" sz="1750" dirty="0"/>
+          </a:p>
+        </p:txBody>
+      </p:sp>
+      <p:sp>
+        <p:nvSpPr>
+          <p:cNvPr id="8" name="Text 6"/>
+          <p:cNvSpPr/>
+          <p:nvPr/>
+        </p:nvSpPr>
+        <p:spPr>
+          <a:xfrm>
+            <a:off x="793789" y="4687252"/>
+            <a:ext cx="13042821" cy="453509"/>
+          </a:xfrm>
+          <a:prstGeom prst="rect">
+            <a:avLst/>
+          </a:prstGeom>
+          <a:noFill/>
+          <a:ln/>
+        </p:spPr>
+        <p:txBody>
+          <a:bodyPr wrap="none" lIns="0" tIns="0" rIns="0" bIns="0" rtlCol="0" anchor="t"/>
+          <a:lstStyle/>
+          <a:p>
+            <a:pPr marL="1714500" lvl="4" indent="-342900" algn="l">
+              <a:lnSpc>
+                <a:spcPts val="2850"/>
+              </a:lnSpc>
+              <a:buSzPct val="100000"/>
+              <a:buChar char="•"/>
+            </a:pPr>
             <a:r>
               <a:rPr lang="en-US" sz="1750" dirty="0">
                 <a:solidFill>
@@ -4364,7 +4342,7 @@
                 <a:ea typeface="Lora" pitchFamily="34" charset="-122"/>
                 <a:cs typeface="Lora" pitchFamily="34" charset="-120"/>
               </a:rPr>
-              <a:t>:</a:t>
+              <a:t>ROUGE 2: 0.107</a:t>
             </a:r>
             <a:endParaRPr lang="en-US" sz="1750" dirty="0"/>
           </a:p>
@@ -4372,13 +4350,13 @@
       </p:sp>
       <p:sp>
         <p:nvSpPr>
-          <p:cNvPr id="7" name="Text 5"/>
-          <p:cNvSpPr/>
-          <p:nvPr/>
-        </p:nvSpPr>
-        <p:spPr>
-          <a:xfrm>
-            <a:off x="793789" y="4381202"/>
+          <p:cNvPr id="9" name="Text 7"/>
+          <p:cNvSpPr/>
+          <p:nvPr/>
+        </p:nvSpPr>
+        <p:spPr>
+          <a:xfrm>
+            <a:off x="793789" y="5220056"/>
             <a:ext cx="13042821" cy="453509"/>
           </a:xfrm>
           <a:prstGeom prst="rect">
@@ -4407,7 +4385,7 @@
                 <a:ea typeface="Lora" pitchFamily="34" charset="-122"/>
                 <a:cs typeface="Lora" pitchFamily="34" charset="-120"/>
               </a:rPr>
-              <a:t>ROUGE 1: 0.349</a:t>
+              <a:t>ROUGE-L: 0.432</a:t>
             </a:r>
             <a:endParaRPr lang="en-US" sz="1750" dirty="0"/>
           </a:p>
@@ -4415,99 +4393,13 @@
       </p:sp>
       <p:sp>
         <p:nvSpPr>
-          <p:cNvPr id="8" name="Text 6"/>
-          <p:cNvSpPr/>
-          <p:nvPr/>
-        </p:nvSpPr>
-        <p:spPr>
-          <a:xfrm>
-            <a:off x="793789" y="4914007"/>
-            <a:ext cx="13042821" cy="453509"/>
-          </a:xfrm>
-          <a:prstGeom prst="rect">
-            <a:avLst/>
-          </a:prstGeom>
-          <a:noFill/>
-          <a:ln/>
-        </p:spPr>
-        <p:txBody>
-          <a:bodyPr wrap="none" lIns="0" tIns="0" rIns="0" bIns="0" rtlCol="0" anchor="t"/>
-          <a:lstStyle/>
-          <a:p>
-            <a:pPr marL="1714500" lvl="4" indent="-342900" algn="l">
-              <a:lnSpc>
-                <a:spcPts val="2850"/>
-              </a:lnSpc>
-              <a:buSzPct val="100000"/>
-              <a:buChar char="•"/>
-            </a:pPr>
-            <a:r>
-              <a:rPr lang="en-US" sz="1750" dirty="0">
-                <a:solidFill>
-                  <a:srgbClr val="2C2821"/>
-                </a:solidFill>
-                <a:latin typeface="Lora" pitchFamily="34" charset="0"/>
-                <a:ea typeface="Lora" pitchFamily="34" charset="-122"/>
-                <a:cs typeface="Lora" pitchFamily="34" charset="-120"/>
-              </a:rPr>
-              <a:t>ROUGE 2: 0.107</a:t>
-            </a:r>
-            <a:endParaRPr lang="en-US" sz="1750" dirty="0"/>
-          </a:p>
-        </p:txBody>
-      </p:sp>
-      <p:sp>
-        <p:nvSpPr>
-          <p:cNvPr id="9" name="Text 7"/>
-          <p:cNvSpPr/>
-          <p:nvPr/>
-        </p:nvSpPr>
-        <p:spPr>
-          <a:xfrm>
-            <a:off x="793789" y="5446811"/>
-            <a:ext cx="13042821" cy="453509"/>
-          </a:xfrm>
-          <a:prstGeom prst="rect">
-            <a:avLst/>
-          </a:prstGeom>
-          <a:noFill/>
-          <a:ln/>
-        </p:spPr>
-        <p:txBody>
-          <a:bodyPr wrap="none" lIns="0" tIns="0" rIns="0" bIns="0" rtlCol="0" anchor="t"/>
-          <a:lstStyle/>
-          <a:p>
-            <a:pPr marL="1714500" lvl="4" indent="-342900" algn="l">
-              <a:lnSpc>
-                <a:spcPts val="2850"/>
-              </a:lnSpc>
-              <a:buSzPct val="100000"/>
-              <a:buChar char="•"/>
-            </a:pPr>
-            <a:r>
-              <a:rPr lang="en-US" sz="1750" dirty="0">
-                <a:solidFill>
-                  <a:srgbClr val="2C2821"/>
-                </a:solidFill>
-                <a:latin typeface="Lora" pitchFamily="34" charset="0"/>
-                <a:ea typeface="Lora" pitchFamily="34" charset="-122"/>
-                <a:cs typeface="Lora" pitchFamily="34" charset="-120"/>
-              </a:rPr>
-              <a:t>ROUGE-L: 0.432</a:t>
-            </a:r>
-            <a:endParaRPr lang="en-US" sz="1750" dirty="0"/>
-          </a:p>
-        </p:txBody>
-      </p:sp>
-      <p:sp>
-        <p:nvSpPr>
           <p:cNvPr id="10" name="Text 8"/>
           <p:cNvSpPr/>
           <p:nvPr/>
         </p:nvSpPr>
         <p:spPr>
           <a:xfrm>
-            <a:off x="793789" y="5979616"/>
+            <a:off x="793789" y="5752861"/>
             <a:ext cx="13042821" cy="453509"/>
           </a:xfrm>
           <a:prstGeom prst="rect">
@@ -4564,7 +4456,7 @@
         </p:blipFill>
         <p:spPr>
           <a:xfrm>
-            <a:off x="12658450" y="7753284"/>
+            <a:off x="12658450" y="7764687"/>
             <a:ext cx="1971950" cy="476316"/>
           </a:xfrm>
           <a:prstGeom prst="rect">
@@ -4586,7 +4478,7 @@
         </p:nvSpPr>
         <p:spPr>
           <a:xfrm>
-            <a:off x="14170315" y="7759184"/>
+            <a:off x="14170315" y="7800941"/>
             <a:ext cx="418704" cy="369332"/>
           </a:xfrm>
           <a:prstGeom prst="rect">
@@ -4610,10 +4502,10 @@
       </p:sp>
       <p:pic>
         <p:nvPicPr>
-          <p:cNvPr id="14" name="Picture 13">
+          <p:cNvPr id="6" name="Picture 5">
             <a:extLst>
               <a:ext uri="{FF2B5EF4-FFF2-40B4-BE49-F238E27FC236}">
-                <a16:creationId xmlns:a16="http://schemas.microsoft.com/office/drawing/2014/main" id="{C732DB25-B1E8-03CB-C824-ED48147E16B1}"/>
+                <a16:creationId xmlns:a16="http://schemas.microsoft.com/office/drawing/2014/main" id="{ACD2B8AA-462F-16A8-F246-11D6FC273ADE}"/>
               </a:ext>
             </a:extLst>
           </p:cNvPr>
@@ -4630,8 +4522,8 @@
         </p:blipFill>
         <p:spPr>
           <a:xfrm>
-            <a:off x="8205372" y="2342480"/>
-            <a:ext cx="5286037" cy="4217920"/>
+            <a:off x="7758377" y="2380672"/>
+            <a:ext cx="5401429" cy="4001058"/>
           </a:xfrm>
           <a:prstGeom prst="rect">
             <a:avLst/>
@@ -4707,13 +4599,13 @@
       </p:sp>
       <p:sp>
         <p:nvSpPr>
-          <p:cNvPr id="3" name="Text 1"/>
-          <p:cNvSpPr/>
-          <p:nvPr/>
-        </p:nvSpPr>
-        <p:spPr>
-          <a:xfrm>
-            <a:off x="793790" y="2249983"/>
+          <p:cNvPr id="4" name="Text 2"/>
+          <p:cNvSpPr/>
+          <p:nvPr/>
+        </p:nvSpPr>
+        <p:spPr>
+          <a:xfrm>
+            <a:off x="793790" y="2556033"/>
             <a:ext cx="13042821" cy="453509"/>
           </a:xfrm>
           <a:prstGeom prst="rect">
@@ -4742,7 +4634,7 @@
                 <a:ea typeface="Lora" pitchFamily="34" charset="-122"/>
                 <a:cs typeface="Lora" pitchFamily="34" charset="-120"/>
               </a:rPr>
-              <a:t>Model Size</a:t>
+              <a:t>Technique</a:t>
             </a:r>
             <a:r>
               <a:rPr lang="en-US" sz="1750" dirty="0">
@@ -4753,7 +4645,7 @@
                 <a:ea typeface="Lora" pitchFamily="34" charset="-122"/>
                 <a:cs typeface="Lora" pitchFamily="34" charset="-120"/>
               </a:rPr>
-              <a:t>: Small</a:t>
+              <a:t>: Parameter-efficient fine-tuning using LoRA (Low-Rank Adaptation)</a:t>
             </a:r>
             <a:endParaRPr lang="en-US" sz="1750" dirty="0"/>
           </a:p>
@@ -4761,13 +4653,13 @@
       </p:sp>
       <p:sp>
         <p:nvSpPr>
-          <p:cNvPr id="4" name="Text 2"/>
-          <p:cNvSpPr/>
-          <p:nvPr/>
-        </p:nvSpPr>
-        <p:spPr>
-          <a:xfrm>
-            <a:off x="793790" y="2782788"/>
+          <p:cNvPr id="5" name="Text 3"/>
+          <p:cNvSpPr/>
+          <p:nvPr/>
+        </p:nvSpPr>
+        <p:spPr>
+          <a:xfrm>
+            <a:off x="793790" y="3088837"/>
             <a:ext cx="13042821" cy="453509"/>
           </a:xfrm>
           <a:prstGeom prst="rect">
@@ -4796,7 +4688,7 @@
                 <a:ea typeface="Lora" pitchFamily="34" charset="-122"/>
                 <a:cs typeface="Lora" pitchFamily="34" charset="-120"/>
               </a:rPr>
-              <a:t>Technique</a:t>
+              <a:t>Performance</a:t>
             </a:r>
             <a:r>
               <a:rPr lang="en-US" sz="1750" dirty="0">
@@ -4807,7 +4699,7 @@
                 <a:ea typeface="Lora" pitchFamily="34" charset="-122"/>
                 <a:cs typeface="Lora" pitchFamily="34" charset="-120"/>
               </a:rPr>
-              <a:t>: Parameter-efficient fine-tuning using LoRA (Low-Rank Adaptation)</a:t>
+              <a:t>:</a:t>
             </a:r>
             <a:endParaRPr lang="en-US" sz="1750" dirty="0"/>
           </a:p>
@@ -4815,13 +4707,13 @@
       </p:sp>
       <p:sp>
         <p:nvSpPr>
-          <p:cNvPr id="5" name="Text 3"/>
-          <p:cNvSpPr/>
-          <p:nvPr/>
-        </p:nvSpPr>
-        <p:spPr>
-          <a:xfrm>
-            <a:off x="793790" y="3315592"/>
+          <p:cNvPr id="7" name="Text 5"/>
+          <p:cNvSpPr/>
+          <p:nvPr/>
+        </p:nvSpPr>
+        <p:spPr>
+          <a:xfrm>
+            <a:off x="793790" y="4154447"/>
             <a:ext cx="13042821" cy="453509"/>
           </a:xfrm>
           <a:prstGeom prst="rect">
@@ -4834,7 +4726,7 @@
           <a:bodyPr wrap="none" lIns="0" tIns="0" rIns="0" bIns="0" rtlCol="0" anchor="t"/>
           <a:lstStyle/>
           <a:p>
-            <a:pPr marL="342900" indent="-342900" algn="l">
+            <a:pPr marL="1714500" lvl="4" indent="-342900" algn="l">
               <a:lnSpc>
                 <a:spcPts val="2850"/>
               </a:lnSpc>
@@ -4842,7 +4734,7 @@
               <a:buChar char="•"/>
             </a:pPr>
             <a:r>
-              <a:rPr lang="en-US" sz="1750" b="1" dirty="0">
+              <a:rPr lang="en-US" sz="1750" dirty="0">
                 <a:solidFill>
                   <a:srgbClr val="2C2821"/>
                 </a:solidFill>
@@ -4850,8 +4742,40 @@
                 <a:ea typeface="Lora" pitchFamily="34" charset="-122"/>
                 <a:cs typeface="Lora" pitchFamily="34" charset="-120"/>
               </a:rPr>
-              <a:t>Performance</a:t>
-            </a:r>
+              <a:t>ROUGE 1:0.328</a:t>
+            </a:r>
+            <a:endParaRPr lang="en-US" sz="1750" dirty="0"/>
+          </a:p>
+        </p:txBody>
+      </p:sp>
+      <p:sp>
+        <p:nvSpPr>
+          <p:cNvPr id="8" name="Text 6"/>
+          <p:cNvSpPr/>
+          <p:nvPr/>
+        </p:nvSpPr>
+        <p:spPr>
+          <a:xfrm>
+            <a:off x="793790" y="4687252"/>
+            <a:ext cx="13042821" cy="453509"/>
+          </a:xfrm>
+          <a:prstGeom prst="rect">
+            <a:avLst/>
+          </a:prstGeom>
+          <a:noFill/>
+          <a:ln/>
+        </p:spPr>
+        <p:txBody>
+          <a:bodyPr wrap="none" lIns="0" tIns="0" rIns="0" bIns="0" rtlCol="0" anchor="t"/>
+          <a:lstStyle/>
+          <a:p>
+            <a:pPr marL="1714500" lvl="4" indent="-342900" algn="l">
+              <a:lnSpc>
+                <a:spcPts val="2850"/>
+              </a:lnSpc>
+              <a:buSzPct val="100000"/>
+              <a:buChar char="•"/>
+            </a:pPr>
             <a:r>
               <a:rPr lang="en-US" sz="1750" dirty="0">
                 <a:solidFill>
@@ -4861,7 +4785,7 @@
                 <a:ea typeface="Lora" pitchFamily="34" charset="-122"/>
                 <a:cs typeface="Lora" pitchFamily="34" charset="-120"/>
               </a:rPr>
-              <a:t>:</a:t>
+              <a:t>ROUGE 2:0.102</a:t>
             </a:r>
             <a:endParaRPr lang="en-US" sz="1750" dirty="0"/>
           </a:p>
@@ -4869,13 +4793,13 @@
       </p:sp>
       <p:sp>
         <p:nvSpPr>
-          <p:cNvPr id="7" name="Text 5"/>
-          <p:cNvSpPr/>
-          <p:nvPr/>
-        </p:nvSpPr>
-        <p:spPr>
-          <a:xfrm>
-            <a:off x="793790" y="4381202"/>
+          <p:cNvPr id="9" name="Text 7"/>
+          <p:cNvSpPr/>
+          <p:nvPr/>
+        </p:nvSpPr>
+        <p:spPr>
+          <a:xfrm>
+            <a:off x="793790" y="5220056"/>
             <a:ext cx="13042821" cy="453509"/>
           </a:xfrm>
           <a:prstGeom prst="rect">
@@ -4904,7 +4828,7 @@
                 <a:ea typeface="Lora" pitchFamily="34" charset="-122"/>
                 <a:cs typeface="Lora" pitchFamily="34" charset="-120"/>
               </a:rPr>
-              <a:t>ROUGE 1:0.328</a:t>
+              <a:t>ROUGE-L SUM:0.398</a:t>
             </a:r>
             <a:endParaRPr lang="en-US" sz="1750" dirty="0"/>
           </a:p>
@@ -4912,99 +4836,13 @@
       </p:sp>
       <p:sp>
         <p:nvSpPr>
-          <p:cNvPr id="8" name="Text 6"/>
-          <p:cNvSpPr/>
-          <p:nvPr/>
-        </p:nvSpPr>
-        <p:spPr>
-          <a:xfrm>
-            <a:off x="793790" y="4914007"/>
-            <a:ext cx="13042821" cy="453509"/>
-          </a:xfrm>
-          <a:prstGeom prst="rect">
-            <a:avLst/>
-          </a:prstGeom>
-          <a:noFill/>
-          <a:ln/>
-        </p:spPr>
-        <p:txBody>
-          <a:bodyPr wrap="none" lIns="0" tIns="0" rIns="0" bIns="0" rtlCol="0" anchor="t"/>
-          <a:lstStyle/>
-          <a:p>
-            <a:pPr marL="1714500" lvl="4" indent="-342900" algn="l">
-              <a:lnSpc>
-                <a:spcPts val="2850"/>
-              </a:lnSpc>
-              <a:buSzPct val="100000"/>
-              <a:buChar char="•"/>
-            </a:pPr>
-            <a:r>
-              <a:rPr lang="en-US" sz="1750" dirty="0">
-                <a:solidFill>
-                  <a:srgbClr val="2C2821"/>
-                </a:solidFill>
-                <a:latin typeface="Lora" pitchFamily="34" charset="0"/>
-                <a:ea typeface="Lora" pitchFamily="34" charset="-122"/>
-                <a:cs typeface="Lora" pitchFamily="34" charset="-120"/>
-              </a:rPr>
-              <a:t>ROUGE 2:0.102</a:t>
-            </a:r>
-            <a:endParaRPr lang="en-US" sz="1750" dirty="0"/>
-          </a:p>
-        </p:txBody>
-      </p:sp>
-      <p:sp>
-        <p:nvSpPr>
-          <p:cNvPr id="9" name="Text 7"/>
-          <p:cNvSpPr/>
-          <p:nvPr/>
-        </p:nvSpPr>
-        <p:spPr>
-          <a:xfrm>
-            <a:off x="793790" y="5446811"/>
-            <a:ext cx="13042821" cy="453509"/>
-          </a:xfrm>
-          <a:prstGeom prst="rect">
-            <a:avLst/>
-          </a:prstGeom>
-          <a:noFill/>
-          <a:ln/>
-        </p:spPr>
-        <p:txBody>
-          <a:bodyPr wrap="none" lIns="0" tIns="0" rIns="0" bIns="0" rtlCol="0" anchor="t"/>
-          <a:lstStyle/>
-          <a:p>
-            <a:pPr marL="1714500" lvl="4" indent="-342900" algn="l">
-              <a:lnSpc>
-                <a:spcPts val="2850"/>
-              </a:lnSpc>
-              <a:buSzPct val="100000"/>
-              <a:buChar char="•"/>
-            </a:pPr>
-            <a:r>
-              <a:rPr lang="en-US" sz="1750" dirty="0">
-                <a:solidFill>
-                  <a:srgbClr val="2C2821"/>
-                </a:solidFill>
-                <a:latin typeface="Lora" pitchFamily="34" charset="0"/>
-                <a:ea typeface="Lora" pitchFamily="34" charset="-122"/>
-                <a:cs typeface="Lora" pitchFamily="34" charset="-120"/>
-              </a:rPr>
-              <a:t>ROUGE-L SUM:0.398</a:t>
-            </a:r>
-            <a:endParaRPr lang="en-US" sz="1750" dirty="0"/>
-          </a:p>
-        </p:txBody>
-      </p:sp>
-      <p:sp>
-        <p:nvSpPr>
           <p:cNvPr id="10" name="Text 8"/>
           <p:cNvSpPr/>
           <p:nvPr/>
         </p:nvSpPr>
         <p:spPr>
           <a:xfrm>
-            <a:off x="793790" y="5979616"/>
+            <a:off x="793790" y="5752861"/>
             <a:ext cx="13042821" cy="453509"/>
           </a:xfrm>
           <a:prstGeom prst="rect">
@@ -5083,7 +4921,7 @@
         </p:nvSpPr>
         <p:spPr>
           <a:xfrm>
-            <a:off x="14170315" y="7759184"/>
+            <a:off x="14211696" y="7717095"/>
             <a:ext cx="418704" cy="369332"/>
           </a:xfrm>
           <a:prstGeom prst="rect">
@@ -5107,10 +4945,10 @@
       </p:sp>
       <p:pic>
         <p:nvPicPr>
-          <p:cNvPr id="14" name="Picture 13">
+          <p:cNvPr id="6" name="Picture 5">
             <a:extLst>
               <a:ext uri="{FF2B5EF4-FFF2-40B4-BE49-F238E27FC236}">
-                <a16:creationId xmlns:a16="http://schemas.microsoft.com/office/drawing/2014/main" id="{B6C7D950-A18D-886E-D9E1-D7020FBFC5BD}"/>
+                <a16:creationId xmlns:a16="http://schemas.microsoft.com/office/drawing/2014/main" id="{6209A181-92B1-0592-1A74-3EED753D3E3D}"/>
               </a:ext>
             </a:extLst>
           </p:cNvPr>
@@ -5127,8 +4965,8 @@
         </p:blipFill>
         <p:spPr>
           <a:xfrm>
-            <a:off x="9167559" y="3269634"/>
-            <a:ext cx="5052293" cy="3639251"/>
+            <a:off x="8391336" y="3045731"/>
+            <a:ext cx="4267114" cy="4064541"/>
           </a:xfrm>
           <a:prstGeom prst="rect">
             <a:avLst/>
@@ -5792,7 +5630,7 @@
           <a:p>
             <a:r>
               <a:rPr lang="en-US" dirty="0"/>
-              <a:t>11</a:t>
+              <a:t>12</a:t>
             </a:r>
             <a:endParaRPr lang="en-GB" dirty="0"/>
           </a:p>
@@ -6452,7 +6290,7 @@
           <a:p>
             <a:r>
               <a:rPr lang="en-US" dirty="0"/>
-              <a:t>12</a:t>
+              <a:t>13</a:t>
             </a:r>
             <a:endParaRPr lang="en-GB" dirty="0"/>
           </a:p>
@@ -10422,14 +10260,14 @@
       </p:sp>
       <p:sp>
         <p:nvSpPr>
-          <p:cNvPr id="3" name="Text 1"/>
-          <p:cNvSpPr/>
-          <p:nvPr/>
-        </p:nvSpPr>
-        <p:spPr>
-          <a:xfrm>
-            <a:off x="793789" y="2377618"/>
-            <a:ext cx="13042821" cy="453509"/>
+          <p:cNvPr id="4" name="Text 2"/>
+          <p:cNvSpPr/>
+          <p:nvPr/>
+        </p:nvSpPr>
+        <p:spPr>
+          <a:xfrm>
+            <a:off x="793789" y="2456914"/>
+            <a:ext cx="4854536" cy="453509"/>
           </a:xfrm>
           <a:prstGeom prst="rect">
             <a:avLst/>
@@ -10457,7 +10295,7 @@
                 <a:ea typeface="Lora" pitchFamily="34" charset="-122"/>
                 <a:cs typeface="Lora" pitchFamily="34" charset="-120"/>
               </a:rPr>
-              <a:t>Model Size:</a:t>
+              <a:t>Technique :</a:t>
             </a:r>
             <a:r>
               <a:rPr lang="en-US" sz="1750" dirty="0">
@@ -10468,7 +10306,7 @@
                 <a:ea typeface="Lora" pitchFamily="34" charset="-122"/>
                 <a:cs typeface="Lora" pitchFamily="34" charset="-120"/>
               </a:rPr>
-              <a:t> Small (lightweight)</a:t>
+              <a:t> All parameters updated</a:t>
             </a:r>
             <a:endParaRPr lang="en-US" sz="1750" dirty="0"/>
           </a:p>
@@ -10476,14 +10314,14 @@
       </p:sp>
       <p:sp>
         <p:nvSpPr>
-          <p:cNvPr id="4" name="Text 2"/>
-          <p:cNvSpPr/>
-          <p:nvPr/>
-        </p:nvSpPr>
-        <p:spPr>
-          <a:xfrm>
-            <a:off x="793789" y="2910423"/>
-            <a:ext cx="13042821" cy="453509"/>
+          <p:cNvPr id="5" name="Text 3"/>
+          <p:cNvSpPr/>
+          <p:nvPr/>
+        </p:nvSpPr>
+        <p:spPr>
+          <a:xfrm>
+            <a:off x="793789" y="2989718"/>
+            <a:ext cx="4168736" cy="453509"/>
           </a:xfrm>
           <a:prstGeom prst="rect">
             <a:avLst/>
@@ -10511,8 +10349,40 @@
                 <a:ea typeface="Lora" pitchFamily="34" charset="-122"/>
                 <a:cs typeface="Lora" pitchFamily="34" charset="-120"/>
               </a:rPr>
-              <a:t>Fine-Tuning:</a:t>
-            </a:r>
+              <a:t>Performance:</a:t>
+            </a:r>
+            <a:endParaRPr lang="en-US" sz="1750" dirty="0"/>
+          </a:p>
+        </p:txBody>
+      </p:sp>
+      <p:sp>
+        <p:nvSpPr>
+          <p:cNvPr id="7" name="Text 5"/>
+          <p:cNvSpPr/>
+          <p:nvPr/>
+        </p:nvSpPr>
+        <p:spPr>
+          <a:xfrm>
+            <a:off x="793788" y="4055328"/>
+            <a:ext cx="13042821" cy="453509"/>
+          </a:xfrm>
+          <a:prstGeom prst="rect">
+            <a:avLst/>
+          </a:prstGeom>
+          <a:noFill/>
+          <a:ln/>
+        </p:spPr>
+        <p:txBody>
+          <a:bodyPr wrap="none" lIns="0" tIns="0" rIns="0" bIns="0" rtlCol="0" anchor="t"/>
+          <a:lstStyle/>
+          <a:p>
+            <a:pPr marL="1714500" lvl="4" indent="-342900" algn="l">
+              <a:lnSpc>
+                <a:spcPts val="2850"/>
+              </a:lnSpc>
+              <a:buSzPct val="100000"/>
+              <a:buChar char="•"/>
+            </a:pPr>
             <a:r>
               <a:rPr lang="en-US" sz="1750" dirty="0">
                 <a:solidFill>
@@ -10522,7 +10392,7 @@
                 <a:ea typeface="Lora" pitchFamily="34" charset="-122"/>
                 <a:cs typeface="Lora" pitchFamily="34" charset="-120"/>
               </a:rPr>
-              <a:t> All parameters updated</a:t>
+              <a:t>ROUGE 1: 0.4724</a:t>
             </a:r>
             <a:endParaRPr lang="en-US" sz="1750" dirty="0"/>
           </a:p>
@@ -10530,13 +10400,13 @@
       </p:sp>
       <p:sp>
         <p:nvSpPr>
-          <p:cNvPr id="5" name="Text 3"/>
-          <p:cNvSpPr/>
-          <p:nvPr/>
-        </p:nvSpPr>
-        <p:spPr>
-          <a:xfrm>
-            <a:off x="793789" y="3443227"/>
+          <p:cNvPr id="8" name="Text 6"/>
+          <p:cNvSpPr/>
+          <p:nvPr/>
+        </p:nvSpPr>
+        <p:spPr>
+          <a:xfrm>
+            <a:off x="793788" y="4588133"/>
             <a:ext cx="13042821" cy="453509"/>
           </a:xfrm>
           <a:prstGeom prst="rect">
@@ -10549,7 +10419,7 @@
           <a:bodyPr wrap="none" lIns="0" tIns="0" rIns="0" bIns="0" rtlCol="0" anchor="t"/>
           <a:lstStyle/>
           <a:p>
-            <a:pPr marL="342900" indent="-342900" algn="l">
+            <a:pPr marL="1714500" lvl="4" indent="-342900" algn="l">
               <a:lnSpc>
                 <a:spcPts val="2850"/>
               </a:lnSpc>
@@ -10557,7 +10427,7 @@
               <a:buChar char="•"/>
             </a:pPr>
             <a:r>
-              <a:rPr lang="en-US" sz="1750" b="1" dirty="0">
+              <a:rPr lang="en-US" sz="1750" dirty="0">
                 <a:solidFill>
                   <a:srgbClr val="2C2821"/>
                 </a:solidFill>
@@ -10565,7 +10435,7 @@
                 <a:ea typeface="Lora" pitchFamily="34" charset="-122"/>
                 <a:cs typeface="Lora" pitchFamily="34" charset="-120"/>
               </a:rPr>
-              <a:t>Performance:</a:t>
+              <a:t>ROUGE 2: 0.2698</a:t>
             </a:r>
             <a:endParaRPr lang="en-US" sz="1750" dirty="0"/>
           </a:p>
@@ -10573,13 +10443,13 @@
       </p:sp>
       <p:sp>
         <p:nvSpPr>
-          <p:cNvPr id="7" name="Text 5"/>
-          <p:cNvSpPr/>
-          <p:nvPr/>
-        </p:nvSpPr>
-        <p:spPr>
-          <a:xfrm>
-            <a:off x="793789" y="4508837"/>
+          <p:cNvPr id="9" name="Text 7"/>
+          <p:cNvSpPr/>
+          <p:nvPr/>
+        </p:nvSpPr>
+        <p:spPr>
+          <a:xfrm>
+            <a:off x="793788" y="5120937"/>
             <a:ext cx="13042821" cy="453509"/>
           </a:xfrm>
           <a:prstGeom prst="rect">
@@ -10608,7 +10478,7 @@
                 <a:ea typeface="Lora" pitchFamily="34" charset="-122"/>
                 <a:cs typeface="Lora" pitchFamily="34" charset="-120"/>
               </a:rPr>
-              <a:t>ROUGE 1: 0.4724</a:t>
+              <a:t>ROUGE-L sum: 0.4003</a:t>
             </a:r>
             <a:endParaRPr lang="en-US" sz="1750" dirty="0"/>
           </a:p>
@@ -10616,99 +10486,13 @@
       </p:sp>
       <p:sp>
         <p:nvSpPr>
-          <p:cNvPr id="8" name="Text 6"/>
-          <p:cNvSpPr/>
-          <p:nvPr/>
-        </p:nvSpPr>
-        <p:spPr>
-          <a:xfrm>
-            <a:off x="793789" y="5041642"/>
-            <a:ext cx="13042821" cy="453509"/>
-          </a:xfrm>
-          <a:prstGeom prst="rect">
-            <a:avLst/>
-          </a:prstGeom>
-          <a:noFill/>
-          <a:ln/>
-        </p:spPr>
-        <p:txBody>
-          <a:bodyPr wrap="none" lIns="0" tIns="0" rIns="0" bIns="0" rtlCol="0" anchor="t"/>
-          <a:lstStyle/>
-          <a:p>
-            <a:pPr marL="1714500" lvl="4" indent="-342900" algn="l">
-              <a:lnSpc>
-                <a:spcPts val="2850"/>
-              </a:lnSpc>
-              <a:buSzPct val="100000"/>
-              <a:buChar char="•"/>
-            </a:pPr>
-            <a:r>
-              <a:rPr lang="en-US" sz="1750" dirty="0">
-                <a:solidFill>
-                  <a:srgbClr val="2C2821"/>
-                </a:solidFill>
-                <a:latin typeface="Lora" pitchFamily="34" charset="0"/>
-                <a:ea typeface="Lora" pitchFamily="34" charset="-122"/>
-                <a:cs typeface="Lora" pitchFamily="34" charset="-120"/>
-              </a:rPr>
-              <a:t>ROUGE 2: 0.2698</a:t>
-            </a:r>
-            <a:endParaRPr lang="en-US" sz="1750" dirty="0"/>
-          </a:p>
-        </p:txBody>
-      </p:sp>
-      <p:sp>
-        <p:nvSpPr>
-          <p:cNvPr id="9" name="Text 7"/>
-          <p:cNvSpPr/>
-          <p:nvPr/>
-        </p:nvSpPr>
-        <p:spPr>
-          <a:xfrm>
-            <a:off x="793789" y="5574446"/>
-            <a:ext cx="13042821" cy="453509"/>
-          </a:xfrm>
-          <a:prstGeom prst="rect">
-            <a:avLst/>
-          </a:prstGeom>
-          <a:noFill/>
-          <a:ln/>
-        </p:spPr>
-        <p:txBody>
-          <a:bodyPr wrap="none" lIns="0" tIns="0" rIns="0" bIns="0" rtlCol="0" anchor="t"/>
-          <a:lstStyle/>
-          <a:p>
-            <a:pPr marL="1714500" lvl="4" indent="-342900" algn="l">
-              <a:lnSpc>
-                <a:spcPts val="2850"/>
-              </a:lnSpc>
-              <a:buSzPct val="100000"/>
-              <a:buChar char="•"/>
-            </a:pPr>
-            <a:r>
-              <a:rPr lang="en-US" sz="1750" dirty="0">
-                <a:solidFill>
-                  <a:srgbClr val="2C2821"/>
-                </a:solidFill>
-                <a:latin typeface="Lora" pitchFamily="34" charset="0"/>
-                <a:ea typeface="Lora" pitchFamily="34" charset="-122"/>
-                <a:cs typeface="Lora" pitchFamily="34" charset="-120"/>
-              </a:rPr>
-              <a:t>ROUGE-L sum: 0.4003</a:t>
-            </a:r>
-            <a:endParaRPr lang="en-US" sz="1750" dirty="0"/>
-          </a:p>
-        </p:txBody>
-      </p:sp>
-      <p:sp>
-        <p:nvSpPr>
           <p:cNvPr id="10" name="Text 8"/>
           <p:cNvSpPr/>
           <p:nvPr/>
         </p:nvSpPr>
         <p:spPr>
           <a:xfrm>
-            <a:off x="793789" y="6107251"/>
+            <a:off x="793788" y="5653742"/>
             <a:ext cx="13042821" cy="453509"/>
           </a:xfrm>
           <a:prstGeom prst="rect">
@@ -10787,7 +10571,7 @@
         </p:nvSpPr>
         <p:spPr>
           <a:xfrm>
-            <a:off x="14170315" y="7759184"/>
+            <a:off x="14170314" y="7772334"/>
             <a:ext cx="301686" cy="369332"/>
           </a:xfrm>
           <a:prstGeom prst="rect">
@@ -10811,10 +10595,10 @@
       </p:sp>
       <p:pic>
         <p:nvPicPr>
-          <p:cNvPr id="14" name="Picture 13">
+          <p:cNvPr id="11" name="Picture 10">
             <a:extLst>
               <a:ext uri="{FF2B5EF4-FFF2-40B4-BE49-F238E27FC236}">
-                <a16:creationId xmlns:a16="http://schemas.microsoft.com/office/drawing/2014/main" id="{5DAE8672-E9C9-3EAA-8A05-5979F374122B}"/>
+                <a16:creationId xmlns:a16="http://schemas.microsoft.com/office/drawing/2014/main" id="{A596461F-C8C6-F399-D9A0-E981FD96F668}"/>
               </a:ext>
             </a:extLst>
           </p:cNvPr>
@@ -10831,8 +10615,8 @@
         </p:blipFill>
         <p:spPr>
           <a:xfrm>
-            <a:off x="8285584" y="2079184"/>
-            <a:ext cx="5625671" cy="4545033"/>
+            <a:off x="8477969" y="2123356"/>
+            <a:ext cx="3506211" cy="4317452"/>
           </a:xfrm>
           <a:prstGeom prst="rect">
             <a:avLst/>
@@ -10908,13 +10692,13 @@
       </p:sp>
       <p:sp>
         <p:nvSpPr>
-          <p:cNvPr id="3" name="Text 1"/>
-          <p:cNvSpPr/>
-          <p:nvPr/>
-        </p:nvSpPr>
-        <p:spPr>
-          <a:xfrm>
-            <a:off x="793790" y="2201941"/>
+          <p:cNvPr id="4" name="Text 2"/>
+          <p:cNvSpPr/>
+          <p:nvPr/>
+        </p:nvSpPr>
+        <p:spPr>
+          <a:xfrm>
+            <a:off x="793790" y="2507991"/>
             <a:ext cx="13042821" cy="453509"/>
           </a:xfrm>
           <a:prstGeom prst="rect">
@@ -10943,7 +10727,7 @@
                 <a:ea typeface="Lora" pitchFamily="34" charset="-122"/>
                 <a:cs typeface="Lora" pitchFamily="34" charset="-120"/>
               </a:rPr>
-              <a:t>Model Size</a:t>
+              <a:t>Technique</a:t>
             </a:r>
             <a:r>
               <a:rPr lang="en-US" sz="1750" dirty="0">
@@ -10954,7 +10738,7 @@
                 <a:ea typeface="Lora" pitchFamily="34" charset="-122"/>
                 <a:cs typeface="Lora" pitchFamily="34" charset="-120"/>
               </a:rPr>
-              <a:t>: Large</a:t>
+              <a:t>: Transfer learning from pretrained checkpoint</a:t>
             </a:r>
             <a:endParaRPr lang="en-US" sz="1750" dirty="0"/>
           </a:p>
@@ -10962,13 +10746,13 @@
       </p:sp>
       <p:sp>
         <p:nvSpPr>
-          <p:cNvPr id="4" name="Text 2"/>
-          <p:cNvSpPr/>
-          <p:nvPr/>
-        </p:nvSpPr>
-        <p:spPr>
-          <a:xfrm>
-            <a:off x="793790" y="2734746"/>
+          <p:cNvPr id="5" name="Text 3"/>
+          <p:cNvSpPr/>
+          <p:nvPr/>
+        </p:nvSpPr>
+        <p:spPr>
+          <a:xfrm>
+            <a:off x="793790" y="3040795"/>
             <a:ext cx="13042821" cy="453509"/>
           </a:xfrm>
           <a:prstGeom prst="rect">
@@ -10997,7 +10781,7 @@
                 <a:ea typeface="Lora" pitchFamily="34" charset="-122"/>
                 <a:cs typeface="Lora" pitchFamily="34" charset="-120"/>
               </a:rPr>
-              <a:t>Technique</a:t>
+              <a:t>Performance</a:t>
             </a:r>
             <a:r>
               <a:rPr lang="en-US" sz="1750" dirty="0">
@@ -11008,7 +10792,7 @@
                 <a:ea typeface="Lora" pitchFamily="34" charset="-122"/>
                 <a:cs typeface="Lora" pitchFamily="34" charset="-120"/>
               </a:rPr>
-              <a:t>: Transfer learning from pretrained checkpoint</a:t>
+              <a:t>:</a:t>
             </a:r>
             <a:endParaRPr lang="en-US" sz="1750" dirty="0"/>
           </a:p>
@@ -11016,13 +10800,13 @@
       </p:sp>
       <p:sp>
         <p:nvSpPr>
-          <p:cNvPr id="5" name="Text 3"/>
-          <p:cNvSpPr/>
-          <p:nvPr/>
-        </p:nvSpPr>
-        <p:spPr>
-          <a:xfrm>
-            <a:off x="793790" y="3267550"/>
+          <p:cNvPr id="7" name="Text 5"/>
+          <p:cNvSpPr/>
+          <p:nvPr/>
+        </p:nvSpPr>
+        <p:spPr>
+          <a:xfrm>
+            <a:off x="793790" y="4106405"/>
             <a:ext cx="13042821" cy="453509"/>
           </a:xfrm>
           <a:prstGeom prst="rect">
@@ -11035,7 +10819,7 @@
           <a:bodyPr wrap="none" lIns="0" tIns="0" rIns="0" bIns="0" rtlCol="0" anchor="t"/>
           <a:lstStyle/>
           <a:p>
-            <a:pPr marL="342900" indent="-342900" algn="l">
+            <a:pPr marL="1714500" lvl="4" indent="-342900" algn="l">
               <a:lnSpc>
                 <a:spcPts val="2850"/>
               </a:lnSpc>
@@ -11043,7 +10827,7 @@
               <a:buChar char="•"/>
             </a:pPr>
             <a:r>
-              <a:rPr lang="en-US" sz="1750" b="1" dirty="0">
+              <a:rPr lang="en-US" sz="1750" dirty="0">
                 <a:solidFill>
                   <a:srgbClr val="2C2821"/>
                 </a:solidFill>
@@ -11051,8 +10835,40 @@
                 <a:ea typeface="Lora" pitchFamily="34" charset="-122"/>
                 <a:cs typeface="Lora" pitchFamily="34" charset="-120"/>
               </a:rPr>
-              <a:t>Performance</a:t>
-            </a:r>
+              <a:t>ROUGE 1: 0.5394</a:t>
+            </a:r>
+            <a:endParaRPr lang="en-US" sz="1750" dirty="0"/>
+          </a:p>
+        </p:txBody>
+      </p:sp>
+      <p:sp>
+        <p:nvSpPr>
+          <p:cNvPr id="8" name="Text 6"/>
+          <p:cNvSpPr/>
+          <p:nvPr/>
+        </p:nvSpPr>
+        <p:spPr>
+          <a:xfrm>
+            <a:off x="793790" y="4639210"/>
+            <a:ext cx="13042821" cy="453509"/>
+          </a:xfrm>
+          <a:prstGeom prst="rect">
+            <a:avLst/>
+          </a:prstGeom>
+          <a:noFill/>
+          <a:ln/>
+        </p:spPr>
+        <p:txBody>
+          <a:bodyPr wrap="none" lIns="0" tIns="0" rIns="0" bIns="0" rtlCol="0" anchor="t"/>
+          <a:lstStyle/>
+          <a:p>
+            <a:pPr marL="1714500" lvl="4" indent="-342900" algn="l">
+              <a:lnSpc>
+                <a:spcPts val="2850"/>
+              </a:lnSpc>
+              <a:buSzPct val="100000"/>
+              <a:buChar char="•"/>
+            </a:pPr>
             <a:r>
               <a:rPr lang="en-US" sz="1750" dirty="0">
                 <a:solidFill>
@@ -11062,7 +10878,7 @@
                 <a:ea typeface="Lora" pitchFamily="34" charset="-122"/>
                 <a:cs typeface="Lora" pitchFamily="34" charset="-120"/>
               </a:rPr>
-              <a:t>:</a:t>
+              <a:t>ROUGE 2: 0.3064</a:t>
             </a:r>
             <a:endParaRPr lang="en-US" sz="1750" dirty="0"/>
           </a:p>
@@ -11070,13 +10886,13 @@
       </p:sp>
       <p:sp>
         <p:nvSpPr>
-          <p:cNvPr id="7" name="Text 5"/>
-          <p:cNvSpPr/>
-          <p:nvPr/>
-        </p:nvSpPr>
-        <p:spPr>
-          <a:xfrm>
-            <a:off x="793790" y="4333160"/>
+          <p:cNvPr id="9" name="Text 7"/>
+          <p:cNvSpPr/>
+          <p:nvPr/>
+        </p:nvSpPr>
+        <p:spPr>
+          <a:xfrm>
+            <a:off x="793790" y="5172014"/>
             <a:ext cx="13042821" cy="453509"/>
           </a:xfrm>
           <a:prstGeom prst="rect">
@@ -11105,7 +10921,7 @@
                 <a:ea typeface="Lora" pitchFamily="34" charset="-122"/>
                 <a:cs typeface="Lora" pitchFamily="34" charset="-120"/>
               </a:rPr>
-              <a:t>ROUGE 1: 0.5394</a:t>
+              <a:t>ROUGE-L sum: 0.4569</a:t>
             </a:r>
             <a:endParaRPr lang="en-US" sz="1750" dirty="0"/>
           </a:p>
@@ -11113,99 +10929,13 @@
       </p:sp>
       <p:sp>
         <p:nvSpPr>
-          <p:cNvPr id="8" name="Text 6"/>
-          <p:cNvSpPr/>
-          <p:nvPr/>
-        </p:nvSpPr>
-        <p:spPr>
-          <a:xfrm>
-            <a:off x="793790" y="4865965"/>
-            <a:ext cx="13042821" cy="453509"/>
-          </a:xfrm>
-          <a:prstGeom prst="rect">
-            <a:avLst/>
-          </a:prstGeom>
-          <a:noFill/>
-          <a:ln/>
-        </p:spPr>
-        <p:txBody>
-          <a:bodyPr wrap="none" lIns="0" tIns="0" rIns="0" bIns="0" rtlCol="0" anchor="t"/>
-          <a:lstStyle/>
-          <a:p>
-            <a:pPr marL="1714500" lvl="4" indent="-342900" algn="l">
-              <a:lnSpc>
-                <a:spcPts val="2850"/>
-              </a:lnSpc>
-              <a:buSzPct val="100000"/>
-              <a:buChar char="•"/>
-            </a:pPr>
-            <a:r>
-              <a:rPr lang="en-US" sz="1750" dirty="0">
-                <a:solidFill>
-                  <a:srgbClr val="2C2821"/>
-                </a:solidFill>
-                <a:latin typeface="Lora" pitchFamily="34" charset="0"/>
-                <a:ea typeface="Lora" pitchFamily="34" charset="-122"/>
-                <a:cs typeface="Lora" pitchFamily="34" charset="-120"/>
-              </a:rPr>
-              <a:t>ROUGE 2: 0.3064</a:t>
-            </a:r>
-            <a:endParaRPr lang="en-US" sz="1750" dirty="0"/>
-          </a:p>
-        </p:txBody>
-      </p:sp>
-      <p:sp>
-        <p:nvSpPr>
-          <p:cNvPr id="9" name="Text 7"/>
-          <p:cNvSpPr/>
-          <p:nvPr/>
-        </p:nvSpPr>
-        <p:spPr>
-          <a:xfrm>
-            <a:off x="793790" y="5398769"/>
-            <a:ext cx="13042821" cy="453509"/>
-          </a:xfrm>
-          <a:prstGeom prst="rect">
-            <a:avLst/>
-          </a:prstGeom>
-          <a:noFill/>
-          <a:ln/>
-        </p:spPr>
-        <p:txBody>
-          <a:bodyPr wrap="none" lIns="0" tIns="0" rIns="0" bIns="0" rtlCol="0" anchor="t"/>
-          <a:lstStyle/>
-          <a:p>
-            <a:pPr marL="1714500" lvl="4" indent="-342900" algn="l">
-              <a:lnSpc>
-                <a:spcPts val="2850"/>
-              </a:lnSpc>
-              <a:buSzPct val="100000"/>
-              <a:buChar char="•"/>
-            </a:pPr>
-            <a:r>
-              <a:rPr lang="en-US" sz="1750" dirty="0">
-                <a:solidFill>
-                  <a:srgbClr val="2C2821"/>
-                </a:solidFill>
-                <a:latin typeface="Lora" pitchFamily="34" charset="0"/>
-                <a:ea typeface="Lora" pitchFamily="34" charset="-122"/>
-                <a:cs typeface="Lora" pitchFamily="34" charset="-120"/>
-              </a:rPr>
-              <a:t>ROUGE-L sum: 0.4569</a:t>
-            </a:r>
-            <a:endParaRPr lang="en-US" sz="1750" dirty="0"/>
-          </a:p>
-        </p:txBody>
-      </p:sp>
-      <p:sp>
-        <p:nvSpPr>
           <p:cNvPr id="10" name="Text 8"/>
           <p:cNvSpPr/>
           <p:nvPr/>
         </p:nvSpPr>
         <p:spPr>
           <a:xfrm>
-            <a:off x="793790" y="5931574"/>
+            <a:off x="793790" y="5704819"/>
             <a:ext cx="13042821" cy="453509"/>
           </a:xfrm>
           <a:prstGeom prst="rect">
@@ -11262,7 +10992,7 @@
         </p:blipFill>
         <p:spPr>
           <a:xfrm>
-            <a:off x="12658450" y="7753284"/>
+            <a:off x="12658450" y="7663603"/>
             <a:ext cx="1971950" cy="476316"/>
           </a:xfrm>
           <a:prstGeom prst="rect">
@@ -11284,7 +11014,7 @@
         </p:nvSpPr>
         <p:spPr>
           <a:xfrm>
-            <a:off x="14170315" y="7759184"/>
+            <a:off x="14170315" y="7669503"/>
             <a:ext cx="301686" cy="369332"/>
           </a:xfrm>
           <a:prstGeom prst="rect">
@@ -11308,10 +11038,10 @@
       </p:sp>
       <p:pic>
         <p:nvPicPr>
-          <p:cNvPr id="12" name="Picture 11">
+          <p:cNvPr id="6" name="Picture 5">
             <a:extLst>
               <a:ext uri="{FF2B5EF4-FFF2-40B4-BE49-F238E27FC236}">
-                <a16:creationId xmlns:a16="http://schemas.microsoft.com/office/drawing/2014/main" id="{742ED786-62A5-8CF0-E1DB-ABB84E1143DC}"/>
+                <a16:creationId xmlns:a16="http://schemas.microsoft.com/office/drawing/2014/main" id="{AA6ABEB8-8480-0DEE-799B-6EF025C6C3C8}"/>
               </a:ext>
             </a:extLst>
           </p:cNvPr>
@@ -11328,8 +11058,8 @@
         </p:blipFill>
         <p:spPr>
           <a:xfrm>
-            <a:off x="8646367" y="2298026"/>
-            <a:ext cx="5727218" cy="4625232"/>
+            <a:off x="7339654" y="2645659"/>
+            <a:ext cx="6496957" cy="2753109"/>
           </a:xfrm>
           <a:prstGeom prst="rect">
             <a:avLst/>
